--- a/Capstone_Presentation.pptx
+++ b/Capstone_Presentation.pptx
@@ -9835,13 +9835,13 @@
           <a:lstStyle/>
           <a:p>
             <a:pPr marL="0" indent="0">
-              <a:lnSpc>
-                <a:spcPct val="110000"/>
-              </a:lnSpc>
               <a:buNone/>
             </a:pPr>
             <a:r>
-              <a:rPr lang="en-US" dirty="0">
+              <a:rPr lang="en-US" sz="1800" dirty="0">
+                <a:solidFill>
+                  <a:srgbClr val="000000"/>
+                </a:solidFill>
                 <a:effectLst/>
                 <a:highlight>
                   <a:srgbClr val="FFFFFF"/>
@@ -9849,9 +9849,9 @@
                 <a:latin typeface="Calibri" panose="020F0502020204030204" pitchFamily="34" charset="0"/>
                 <a:ea typeface="Times New Roman" panose="02020603050405020304" pitchFamily="18" charset="0"/>
               </a:rPr>
-              <a:t>Using the population and income group predictions government entities can get a clear idea of what population criteria they need to improve their income group. We can accurately predict the population next year and income group of the country so that they can make required amendments for their future policies.</a:t>
-            </a:r>
-            <a:endParaRPr lang="en-CA" dirty="0">
+              <a:t>In this project, we have developed an English to Hindi translator system utilizing state-of-the-art natural language processing techniques. By leveraging a transformer-based model and an encoder-decoder architecture, we were able to achieve high-quality translations. The project highlights the potential of deep learning models in language translation, providing a tool to decrease the communication gap between English and Hindi speakers. </a:t>
+            </a:r>
+            <a:endParaRPr lang="en-CA" sz="1800" dirty="0">
               <a:effectLst/>
               <a:highlight>
                 <a:srgbClr val="FFFFFF"/>
@@ -9859,14 +9859,6 @@
               <a:latin typeface="Times New Roman" panose="02020603050405020304" pitchFamily="18" charset="0"/>
               <a:ea typeface="Times New Roman" panose="02020603050405020304" pitchFamily="18" charset="0"/>
             </a:endParaRPr>
-          </a:p>
-          <a:p>
-            <a:pPr>
-              <a:lnSpc>
-                <a:spcPct val="110000"/>
-              </a:lnSpc>
-            </a:pPr>
-            <a:endParaRPr lang="en-US" dirty="0"/>
           </a:p>
         </p:txBody>
       </p:sp>
